--- a/manual.pptx
+++ b/manual.pptx
@@ -4465,7 +4465,7 @@
         <p:spPr>
           <a:xfrm>
             <a:off x="395536" y="332656"/>
-            <a:ext cx="8424936" cy="646331"/>
+            <a:ext cx="8424936" cy="923330"/>
           </a:xfrm>
           <a:prstGeom prst="rect">
             <a:avLst/>
@@ -4480,7 +4480,23 @@
           <a:p>
             <a:r>
               <a:rPr lang="en-US" altLang="ko-KR" b="1" dirty="0" smtClean="0"/>
-              <a:t>If you compress “Envelope” data for “Cyst” with LUT method, click this</a:t>
+              <a:t>If you </a:t>
+            </a:r>
+            <a:r>
+              <a:rPr lang="en-US" altLang="ko-KR" b="1" dirty="0" smtClean="0"/>
+              <a:t>want to compress </a:t>
+            </a:r>
+            <a:r>
+              <a:rPr lang="en-US" altLang="ko-KR" b="1" dirty="0" smtClean="0"/>
+              <a:t>“Envelope” data for </a:t>
+            </a:r>
+            <a:r>
+              <a:rPr lang="en-US" altLang="ko-KR" b="1" dirty="0" smtClean="0"/>
+              <a:t>a certain sample ultrasound </a:t>
+            </a:r>
+            <a:r>
+              <a:rPr lang="en-US" altLang="ko-KR" b="1" dirty="0" smtClean="0"/>
+              <a:t>with LUT method, click this</a:t>
             </a:r>
           </a:p>
           <a:p>
@@ -4585,6 +4601,261 @@
           <a:p>
             <a:pPr algn="ctr"/>
             <a:endParaRPr lang="ko-KR" altLang="en-US"/>
+          </a:p>
+        </p:txBody>
+      </p:sp>
+      <p:sp>
+        <p:nvSpPr>
+          <p:cNvPr id="5" name="TextBox 4"/>
+          <p:cNvSpPr txBox="1"/>
+          <p:nvPr/>
+        </p:nvSpPr>
+        <p:spPr>
+          <a:xfrm>
+            <a:off x="395536" y="5004447"/>
+            <a:ext cx="8424936" cy="923330"/>
+          </a:xfrm>
+          <a:prstGeom prst="rect">
+            <a:avLst/>
+          </a:prstGeom>
+          <a:noFill/>
+        </p:spPr>
+        <p:txBody>
+          <a:bodyPr wrap="square" rtlCol="0">
+            <a:spAutoFit/>
+          </a:bodyPr>
+          <a:lstStyle/>
+          <a:p>
+            <a:r>
+              <a:rPr lang="en-US" altLang="ko-KR" b="1" dirty="0" smtClean="0"/>
+              <a:t>Or, If </a:t>
+            </a:r>
+            <a:r>
+              <a:rPr lang="en-US" altLang="ko-KR" b="1" dirty="0" smtClean="0"/>
+              <a:t>you </a:t>
+            </a:r>
+            <a:r>
+              <a:rPr lang="en-US" altLang="ko-KR" b="1" dirty="0" smtClean="0"/>
+              <a:t>want to compress </a:t>
+            </a:r>
+            <a:r>
+              <a:rPr lang="en-US" altLang="ko-KR" b="1" dirty="0" smtClean="0"/>
+              <a:t>“Envelope” data for </a:t>
+            </a:r>
+            <a:r>
+              <a:rPr lang="en-US" altLang="ko-KR" b="1" dirty="0" smtClean="0"/>
+              <a:t>a certain sample ultrasound </a:t>
+            </a:r>
+            <a:r>
+              <a:rPr lang="en-US" altLang="ko-KR" b="1" dirty="0" smtClean="0"/>
+              <a:t>with </a:t>
+            </a:r>
+            <a:r>
+              <a:rPr lang="en-US" altLang="ko-KR" b="1" dirty="0" smtClean="0"/>
+              <a:t>Formula method(</a:t>
+            </a:r>
+            <a:r>
+              <a:rPr lang="en-US" altLang="ko-KR" b="1" dirty="0" err="1" smtClean="0"/>
+              <a:t>mathmatical</a:t>
+            </a:r>
+            <a:r>
+              <a:rPr lang="en-US" altLang="ko-KR" b="1" dirty="0" smtClean="0"/>
+              <a:t> method) , </a:t>
+            </a:r>
+            <a:r>
+              <a:rPr lang="en-US" altLang="ko-KR" b="1" dirty="0" smtClean="0"/>
+              <a:t>click this</a:t>
+            </a:r>
+          </a:p>
+          <a:p>
+            <a:endParaRPr lang="ko-KR" altLang="en-US" b="1" dirty="0"/>
+          </a:p>
+        </p:txBody>
+      </p:sp>
+      <p:sp>
+        <p:nvSpPr>
+          <p:cNvPr id="6" name="직사각형 5"/>
+          <p:cNvSpPr/>
+          <p:nvPr/>
+        </p:nvSpPr>
+        <p:spPr>
+          <a:xfrm>
+            <a:off x="518683" y="2717304"/>
+            <a:ext cx="2466020" cy="576064"/>
+          </a:xfrm>
+          <a:prstGeom prst="rect">
+            <a:avLst/>
+          </a:prstGeom>
+          <a:noFill/>
+          <a:ln w="38100">
+            <a:solidFill>
+              <a:srgbClr val="FF0000"/>
+            </a:solidFill>
+          </a:ln>
+        </p:spPr>
+        <p:style>
+          <a:lnRef idx="2">
+            <a:schemeClr val="accent1">
+              <a:shade val="50000"/>
+            </a:schemeClr>
+          </a:lnRef>
+          <a:fillRef idx="1">
+            <a:schemeClr val="accent1"/>
+          </a:fillRef>
+          <a:effectRef idx="0">
+            <a:schemeClr val="accent1"/>
+          </a:effectRef>
+          <a:fontRef idx="minor">
+            <a:schemeClr val="lt1"/>
+          </a:fontRef>
+        </p:style>
+        <p:txBody>
+          <a:bodyPr rtlCol="0" anchor="ctr"/>
+          <a:lstStyle/>
+          <a:p>
+            <a:pPr algn="ctr"/>
+            <a:endParaRPr lang="ko-KR" altLang="en-US"/>
+          </a:p>
+        </p:txBody>
+      </p:sp>
+      <p:cxnSp>
+        <p:nvCxnSpPr>
+          <p:cNvPr id="8" name="꺾인 연결선 7"/>
+          <p:cNvCxnSpPr>
+            <a:endCxn id="2" idx="1"/>
+          </p:cNvCxnSpPr>
+          <p:nvPr/>
+        </p:nvCxnSpPr>
+        <p:spPr>
+          <a:xfrm rot="16200000" flipV="1">
+            <a:off x="-284165" y="1474023"/>
+            <a:ext cx="1482551" cy="123147"/>
+          </a:xfrm>
+          <a:prstGeom prst="bentConnector4">
+            <a:avLst>
+              <a:gd name="adj1" fmla="val -1278"/>
+              <a:gd name="adj2" fmla="val 285632"/>
+            </a:avLst>
+          </a:prstGeom>
+          <a:ln>
+            <a:tailEnd type="arrow"/>
+          </a:ln>
+        </p:spPr>
+        <p:style>
+          <a:lnRef idx="1">
+            <a:schemeClr val="accent1"/>
+          </a:lnRef>
+          <a:fillRef idx="0">
+            <a:schemeClr val="accent1"/>
+          </a:fillRef>
+          <a:effectRef idx="0">
+            <a:schemeClr val="accent1"/>
+          </a:effectRef>
+          <a:fontRef idx="minor">
+            <a:schemeClr val="tx1"/>
+          </a:fontRef>
+        </p:style>
+      </p:cxnSp>
+      <p:cxnSp>
+        <p:nvCxnSpPr>
+          <p:cNvPr id="11" name="꺾인 연결선 10"/>
+          <p:cNvCxnSpPr>
+            <a:endCxn id="5" idx="1"/>
+          </p:cNvCxnSpPr>
+          <p:nvPr/>
+        </p:nvCxnSpPr>
+        <p:spPr>
+          <a:xfrm rot="5400000">
+            <a:off x="-808429" y="4200572"/>
+            <a:ext cx="2469505" cy="61574"/>
+          </a:xfrm>
+          <a:prstGeom prst="bentConnector4">
+            <a:avLst>
+              <a:gd name="adj1" fmla="val -1572"/>
+              <a:gd name="adj2" fmla="val 471261"/>
+            </a:avLst>
+          </a:prstGeom>
+          <a:ln>
+            <a:tailEnd type="arrow"/>
+          </a:ln>
+        </p:spPr>
+        <p:style>
+          <a:lnRef idx="1">
+            <a:schemeClr val="accent1"/>
+          </a:lnRef>
+          <a:fillRef idx="0">
+            <a:schemeClr val="accent1"/>
+          </a:fillRef>
+          <a:effectRef idx="0">
+            <a:schemeClr val="accent1"/>
+          </a:effectRef>
+          <a:fontRef idx="minor">
+            <a:schemeClr val="tx1"/>
+          </a:fontRef>
+        </p:style>
+      </p:cxnSp>
+      <p:sp>
+        <p:nvSpPr>
+          <p:cNvPr id="17" name="TextBox 16"/>
+          <p:cNvSpPr txBox="1"/>
+          <p:nvPr/>
+        </p:nvSpPr>
+        <p:spPr>
+          <a:xfrm>
+            <a:off x="5436096" y="2832419"/>
+            <a:ext cx="5472608" cy="1200329"/>
+          </a:xfrm>
+          <a:prstGeom prst="rect">
+            <a:avLst/>
+          </a:prstGeom>
+          <a:noFill/>
+        </p:spPr>
+        <p:txBody>
+          <a:bodyPr wrap="square" rtlCol="0">
+            <a:spAutoFit/>
+          </a:bodyPr>
+          <a:lstStyle/>
+          <a:p>
+            <a:r>
+              <a:rPr lang="en-US" altLang="ko-KR" b="1" dirty="0" smtClean="0"/>
+              <a:t>Or, If </a:t>
+            </a:r>
+            <a:r>
+              <a:rPr lang="en-US" altLang="ko-KR" b="1" dirty="0" smtClean="0"/>
+              <a:t>you </a:t>
+            </a:r>
+            <a:r>
+              <a:rPr lang="en-US" altLang="ko-KR" b="1" dirty="0" smtClean="0"/>
+              <a:t>want to compress </a:t>
+            </a:r>
+            <a:r>
+              <a:rPr lang="en-US" altLang="ko-KR" b="1" dirty="0" err="1" smtClean="0"/>
+              <a:t>Prebeamformed</a:t>
+            </a:r>
+            <a:r>
+              <a:rPr lang="en-US" altLang="ko-KR" b="1" dirty="0" smtClean="0"/>
+              <a:t>, IQ, </a:t>
+            </a:r>
+            <a:r>
+              <a:rPr lang="en-US" altLang="ko-KR" b="1" dirty="0" err="1" smtClean="0"/>
+              <a:t>Beamformed</a:t>
+            </a:r>
+            <a:r>
+              <a:rPr lang="en-US" altLang="ko-KR" b="1" dirty="0" smtClean="0"/>
+              <a:t> </a:t>
+            </a:r>
+            <a:r>
+              <a:rPr lang="en-US" altLang="ko-KR" b="1" dirty="0" smtClean="0"/>
+              <a:t>data for </a:t>
+            </a:r>
+            <a:r>
+              <a:rPr lang="en-US" altLang="ko-KR" b="1" dirty="0" smtClean="0"/>
+              <a:t>a certain sample ultrasound  click another button.</a:t>
+            </a:r>
+            <a:endParaRPr lang="en-US" altLang="ko-KR" b="1" dirty="0" smtClean="0"/>
+          </a:p>
+          <a:p>
+            <a:endParaRPr lang="ko-KR" altLang="en-US" b="1" dirty="0"/>
           </a:p>
         </p:txBody>
       </p:sp>
@@ -4650,7 +4921,6 @@
               <a:rPr lang="en-US" altLang="ko-KR" b="1" dirty="0" smtClean="0"/>
               <a:t>Then you can see this dialog box to select  scanline data file</a:t>
             </a:r>
-            <a:endParaRPr lang="en-US" altLang="ko-KR" b="1" dirty="0" smtClean="0"/>
           </a:p>
         </p:txBody>
       </p:sp>
@@ -4733,7 +5003,6 @@
               <a:rPr lang="en-US" altLang="ko-KR" b="1" dirty="0" smtClean="0"/>
               <a:t>From dialog box, you select cyst folder and then select  Envelope folder</a:t>
             </a:r>
-            <a:endParaRPr lang="en-US" altLang="ko-KR" b="1" dirty="0" smtClean="0"/>
           </a:p>
         </p:txBody>
       </p:sp>
@@ -4966,13 +5235,8 @@
           <a:p>
             <a:r>
               <a:rPr lang="en-US" altLang="ko-KR" b="1" dirty="0" smtClean="0"/>
-              <a:t>..</a:t>
-            </a:r>
-            <a:r>
-              <a:rPr lang="en-US" altLang="ko-KR" b="1" dirty="0" smtClean="0"/>
-              <a:t>_TOTAL.txt, _Decode.txt, _Encode.txt, _STAT.txt files are temporarily produced files by program</a:t>
-            </a:r>
-            <a:endParaRPr lang="en-US" altLang="ko-KR" b="1" dirty="0" smtClean="0"/>
+              <a:t>.._TOTAL.txt, _Decode.txt, _Encode.txt, _STAT.txt files are temporarily produced files by program</a:t>
+            </a:r>
           </a:p>
         </p:txBody>
       </p:sp>
@@ -6449,11 +6713,7 @@
           <a:p>
             <a:r>
               <a:rPr lang="en-US" altLang="ko-KR" dirty="0" smtClean="0"/>
-              <a:t>Encoding time (ticks) </a:t>
-            </a:r>
-            <a:r>
-              <a:rPr lang="en-US" altLang="ko-KR" dirty="0" smtClean="0"/>
-              <a:t>for scanline 1</a:t>
+              <a:t>Encoding time (ticks) for scanline 1</a:t>
             </a:r>
           </a:p>
           <a:p>
